--- a/docs/diagrams/LogicComponentSequenceDiagram.pptx
+++ b/docs/diagrams/LogicComponentSequenceDiagram.pptx
@@ -212,7 +212,7 @@
           <a:p>
             <a:fld id="{F5CC4B3F-88C1-4FFA-B1B6-F41C21DC6924}" type="datetimeFigureOut">
               <a:rPr lang="en-US" smtClean="0"/>
-              <a:t>7/11/2017</a:t>
+              <a:t>11/10/2018</a:t>
             </a:fld>
             <a:endParaRPr lang="en-US"/>
           </a:p>
@@ -658,7 +658,7 @@
           <a:p>
             <a:fld id="{78C97017-6FC3-485B-9764-EAC9E56C1D49}" type="datetimeFigureOut">
               <a:rPr lang="en-US" smtClean="0"/>
-              <a:t>7/11/2017</a:t>
+              <a:t>11/10/2018</a:t>
             </a:fld>
             <a:endParaRPr lang="en-US"/>
           </a:p>
@@ -826,7 +826,7 @@
           <a:p>
             <a:fld id="{78C97017-6FC3-485B-9764-EAC9E56C1D49}" type="datetimeFigureOut">
               <a:rPr lang="en-US" smtClean="0"/>
-              <a:t>7/11/2017</a:t>
+              <a:t>11/10/2018</a:t>
             </a:fld>
             <a:endParaRPr lang="en-US"/>
           </a:p>
@@ -1004,7 +1004,7 @@
           <a:p>
             <a:fld id="{78C97017-6FC3-485B-9764-EAC9E56C1D49}" type="datetimeFigureOut">
               <a:rPr lang="en-US" smtClean="0"/>
-              <a:t>7/11/2017</a:t>
+              <a:t>11/10/2018</a:t>
             </a:fld>
             <a:endParaRPr lang="en-US"/>
           </a:p>
@@ -1172,7 +1172,7 @@
           <a:p>
             <a:fld id="{78C97017-6FC3-485B-9764-EAC9E56C1D49}" type="datetimeFigureOut">
               <a:rPr lang="en-US" smtClean="0"/>
-              <a:t>7/11/2017</a:t>
+              <a:t>11/10/2018</a:t>
             </a:fld>
             <a:endParaRPr lang="en-US"/>
           </a:p>
@@ -1417,7 +1417,7 @@
           <a:p>
             <a:fld id="{78C97017-6FC3-485B-9764-EAC9E56C1D49}" type="datetimeFigureOut">
               <a:rPr lang="en-US" smtClean="0"/>
-              <a:t>7/11/2017</a:t>
+              <a:t>11/10/2018</a:t>
             </a:fld>
             <a:endParaRPr lang="en-US"/>
           </a:p>
@@ -1702,7 +1702,7 @@
           <a:p>
             <a:fld id="{78C97017-6FC3-485B-9764-EAC9E56C1D49}" type="datetimeFigureOut">
               <a:rPr lang="en-US" smtClean="0"/>
-              <a:t>7/11/2017</a:t>
+              <a:t>11/10/2018</a:t>
             </a:fld>
             <a:endParaRPr lang="en-US"/>
           </a:p>
@@ -2121,7 +2121,7 @@
           <a:p>
             <a:fld id="{78C97017-6FC3-485B-9764-EAC9E56C1D49}" type="datetimeFigureOut">
               <a:rPr lang="en-US" smtClean="0"/>
-              <a:t>7/11/2017</a:t>
+              <a:t>11/10/2018</a:t>
             </a:fld>
             <a:endParaRPr lang="en-US"/>
           </a:p>
@@ -2238,7 +2238,7 @@
           <a:p>
             <a:fld id="{78C97017-6FC3-485B-9764-EAC9E56C1D49}" type="datetimeFigureOut">
               <a:rPr lang="en-US" smtClean="0"/>
-              <a:t>7/11/2017</a:t>
+              <a:t>11/10/2018</a:t>
             </a:fld>
             <a:endParaRPr lang="en-US"/>
           </a:p>
@@ -2333,7 +2333,7 @@
           <a:p>
             <a:fld id="{78C97017-6FC3-485B-9764-EAC9E56C1D49}" type="datetimeFigureOut">
               <a:rPr lang="en-US" smtClean="0"/>
-              <a:t>7/11/2017</a:t>
+              <a:t>11/10/2018</a:t>
             </a:fld>
             <a:endParaRPr lang="en-US"/>
           </a:p>
@@ -2608,7 +2608,7 @@
           <a:p>
             <a:fld id="{78C97017-6FC3-485B-9764-EAC9E56C1D49}" type="datetimeFigureOut">
               <a:rPr lang="en-US" smtClean="0"/>
-              <a:t>7/11/2017</a:t>
+              <a:t>11/10/2018</a:t>
             </a:fld>
             <a:endParaRPr lang="en-US"/>
           </a:p>
@@ -2860,7 +2860,7 @@
           <a:p>
             <a:fld id="{78C97017-6FC3-485B-9764-EAC9E56C1D49}" type="datetimeFigureOut">
               <a:rPr lang="en-US" smtClean="0"/>
-              <a:t>7/11/2017</a:t>
+              <a:t>11/10/2018</a:t>
             </a:fld>
             <a:endParaRPr lang="en-US"/>
           </a:p>
@@ -3071,7 +3071,7 @@
           <a:p>
             <a:fld id="{78C97017-6FC3-485B-9764-EAC9E56C1D49}" type="datetimeFigureOut">
               <a:rPr lang="en-US" smtClean="0"/>
-              <a:t>7/11/2017</a:t>
+              <a:t>11/10/2018</a:t>
             </a:fld>
             <a:endParaRPr lang="en-US"/>
           </a:p>
@@ -3454,7 +3454,7 @@
         </p:nvSpPr>
         <p:spPr>
           <a:xfrm>
-            <a:off x="685800" y="1981200"/>
+            <a:off x="685800" y="1409914"/>
             <a:ext cx="7252956" cy="4000286"/>
           </a:xfrm>
           <a:prstGeom prst="roundRect">
@@ -3515,7 +3515,7 @@
         </p:nvSpPr>
         <p:spPr>
           <a:xfrm>
-            <a:off x="845045" y="2296546"/>
+            <a:off x="845045" y="1725260"/>
             <a:ext cx="1455629" cy="346760"/>
           </a:xfrm>
           <a:prstGeom prst="rect">
@@ -3582,7 +3582,7 @@
         </p:nvCxnSpPr>
         <p:spPr>
           <a:xfrm>
-            <a:off x="1572859" y="2660217"/>
+            <a:off x="1572859" y="2088931"/>
             <a:ext cx="0" cy="2597583"/>
           </a:xfrm>
           <a:prstGeom prst="line">
@@ -3619,7 +3619,7 @@
         </p:nvSpPr>
         <p:spPr>
           <a:xfrm>
-            <a:off x="1500851" y="3010911"/>
+            <a:off x="1500851" y="2439625"/>
             <a:ext cx="152400" cy="2780287"/>
           </a:xfrm>
           <a:prstGeom prst="rect">
@@ -3666,7 +3666,7 @@
         </p:nvSpPr>
         <p:spPr>
           <a:xfrm>
-            <a:off x="2743200" y="2179309"/>
+            <a:off x="2743200" y="1608023"/>
             <a:ext cx="1219200" cy="467684"/>
           </a:xfrm>
           <a:prstGeom prst="rect">
@@ -3702,25 +3702,22 @@
           <a:p>
             <a:pPr algn="ctr"/>
             <a:r>
-              <a:rPr lang="en-US" sz="1600" dirty="0">
+              <a:rPr lang="en-US" sz="1550" dirty="0" smtClean="0">
                 <a:solidFill>
                   <a:schemeClr val="bg1"/>
                 </a:solidFill>
               </a:rPr>
-              <a:t>:Address</a:t>
-            </a:r>
-          </a:p>
-          <a:p>
-            <a:pPr algn="ctr"/>
-            <a:r>
-              <a:rPr lang="en-US" sz="1600" dirty="0" err="1">
+              <a:t>:</a:t>
+            </a:r>
+            <a:r>
+              <a:rPr lang="en-US" sz="1550" dirty="0" err="1" smtClean="0">
                 <a:solidFill>
                   <a:schemeClr val="bg1"/>
                 </a:solidFill>
               </a:rPr>
-              <a:t>BookParser</a:t>
-            </a:r>
-            <a:endParaRPr lang="en-SG" sz="1600" dirty="0">
+              <a:t>TutorHelperParser</a:t>
+            </a:r>
+            <a:endParaRPr lang="en-SG" sz="1550" dirty="0">
               <a:solidFill>
                 <a:schemeClr val="bg1"/>
               </a:solidFill>
@@ -3736,7 +3733,7 @@
         </p:nvCxnSpPr>
         <p:spPr>
           <a:xfrm>
-            <a:off x="3356599" y="2663904"/>
+            <a:off x="3356599" y="2092618"/>
             <a:ext cx="0" cy="1695374"/>
           </a:xfrm>
           <a:prstGeom prst="line">
@@ -3773,7 +3770,7 @@
         </p:nvSpPr>
         <p:spPr>
           <a:xfrm>
-            <a:off x="3284590" y="3122096"/>
+            <a:off x="3284590" y="2550810"/>
             <a:ext cx="174929" cy="1129459"/>
           </a:xfrm>
           <a:prstGeom prst="rect">
@@ -3824,7 +3821,7 @@
         </p:nvSpPr>
         <p:spPr>
           <a:xfrm>
-            <a:off x="6221565" y="3312740"/>
+            <a:off x="6221565" y="2741454"/>
             <a:ext cx="1093635" cy="461538"/>
           </a:xfrm>
           <a:prstGeom prst="rect">
@@ -3900,7 +3897,7 @@
         </p:nvCxnSpPr>
         <p:spPr>
           <a:xfrm>
-            <a:off x="6772574" y="3774278"/>
+            <a:off x="6772574" y="3202992"/>
             <a:ext cx="0" cy="1940722"/>
           </a:xfrm>
           <a:prstGeom prst="line">
@@ -3937,7 +3934,7 @@
         </p:nvSpPr>
         <p:spPr>
           <a:xfrm>
-            <a:off x="6696374" y="3774278"/>
+            <a:off x="6696374" y="3202992"/>
             <a:ext cx="152400" cy="276003"/>
           </a:xfrm>
           <a:prstGeom prst="rect">
@@ -3984,7 +3981,7 @@
         </p:nvCxnSpPr>
         <p:spPr>
           <a:xfrm>
-            <a:off x="381000" y="3014599"/>
+            <a:off x="381000" y="2443313"/>
             <a:ext cx="1119851" cy="0"/>
           </a:xfrm>
           <a:prstGeom prst="straightConnector1">
@@ -4020,7 +4017,7 @@
         </p:nvCxnSpPr>
         <p:spPr>
           <a:xfrm flipV="1">
-            <a:off x="1653251" y="3122097"/>
+            <a:off x="1653251" y="2550811"/>
             <a:ext cx="1596514" cy="1"/>
           </a:xfrm>
           <a:prstGeom prst="straightConnector1">
@@ -4056,7 +4053,7 @@
         </p:nvSpPr>
         <p:spPr>
           <a:xfrm>
-            <a:off x="0" y="2743200"/>
+            <a:off x="0" y="2171914"/>
             <a:ext cx="1424846" cy="215444"/>
           </a:xfrm>
           <a:prstGeom prst="rect">
@@ -4090,7 +4087,7 @@
         </p:nvCxnSpPr>
         <p:spPr>
           <a:xfrm flipV="1">
-            <a:off x="5257218" y="3703214"/>
+            <a:off x="5257218" y="3131928"/>
             <a:ext cx="922392" cy="1"/>
           </a:xfrm>
           <a:prstGeom prst="straightConnector1">
@@ -4126,7 +4123,7 @@
         </p:nvSpPr>
         <p:spPr>
           <a:xfrm>
-            <a:off x="4257582" y="4251556"/>
+            <a:off x="4257582" y="3680270"/>
             <a:ext cx="855809" cy="215444"/>
           </a:xfrm>
           <a:prstGeom prst="rect">
@@ -4166,7 +4163,7 @@
         </p:nvCxnSpPr>
         <p:spPr>
           <a:xfrm>
-            <a:off x="5257800" y="4050281"/>
+            <a:off x="5257800" y="3478995"/>
             <a:ext cx="1492974" cy="0"/>
           </a:xfrm>
           <a:prstGeom prst="straightConnector1">
@@ -4204,7 +4201,7 @@
         </p:nvCxnSpPr>
         <p:spPr>
           <a:xfrm flipV="1">
-            <a:off x="1670186" y="4243231"/>
+            <a:off x="1670186" y="3671945"/>
             <a:ext cx="1596514" cy="5378"/>
           </a:xfrm>
           <a:prstGeom prst="straightConnector1">
@@ -4242,7 +4239,7 @@
         </p:nvCxnSpPr>
         <p:spPr>
           <a:xfrm>
-            <a:off x="304800" y="5791200"/>
+            <a:off x="304800" y="5219914"/>
             <a:ext cx="1196051" cy="0"/>
           </a:xfrm>
           <a:prstGeom prst="straightConnector1">
@@ -4280,7 +4277,7 @@
         </p:nvSpPr>
         <p:spPr>
           <a:xfrm>
-            <a:off x="8265896" y="2362200"/>
+            <a:off x="8265896" y="1790914"/>
             <a:ext cx="1030504" cy="346760"/>
           </a:xfrm>
           <a:prstGeom prst="rect">
@@ -4345,7 +4342,7 @@
         </p:nvCxnSpPr>
         <p:spPr>
           <a:xfrm>
-            <a:off x="1653251" y="4495317"/>
+            <a:off x="1653251" y="3924031"/>
             <a:ext cx="5043123" cy="0"/>
           </a:xfrm>
           <a:prstGeom prst="straightConnector1">
@@ -4381,7 +4378,7 @@
         </p:nvSpPr>
         <p:spPr>
           <a:xfrm>
-            <a:off x="6687452" y="4467000"/>
+            <a:off x="6687452" y="3895714"/>
             <a:ext cx="161322" cy="1019400"/>
           </a:xfrm>
           <a:prstGeom prst="rect">
@@ -4428,7 +4425,7 @@
         </p:nvCxnSpPr>
         <p:spPr>
           <a:xfrm>
-            <a:off x="8781148" y="2700858"/>
+            <a:off x="8781148" y="2129572"/>
             <a:ext cx="0" cy="2830598"/>
           </a:xfrm>
           <a:prstGeom prst="line">
@@ -4468,7 +4465,7 @@
         </p:nvSpPr>
         <p:spPr>
           <a:xfrm>
-            <a:off x="8686800" y="4524597"/>
+            <a:off x="8686800" y="3953311"/>
             <a:ext cx="152400" cy="199803"/>
           </a:xfrm>
           <a:prstGeom prst="rect">
@@ -4525,7 +4522,7 @@
         </p:nvCxnSpPr>
         <p:spPr>
           <a:xfrm>
-            <a:off x="6850663" y="4524597"/>
+            <a:off x="6850663" y="3953311"/>
             <a:ext cx="1836137" cy="0"/>
           </a:xfrm>
           <a:prstGeom prst="straightConnector1">
@@ -4561,7 +4558,7 @@
         </p:nvCxnSpPr>
         <p:spPr>
           <a:xfrm flipV="1">
-            <a:off x="6848774" y="4714650"/>
+            <a:off x="6848774" y="4143364"/>
             <a:ext cx="1838026" cy="9750"/>
           </a:xfrm>
           <a:prstGeom prst="straightConnector1">
@@ -4602,7 +4599,7 @@
         </p:nvCxnSpPr>
         <p:spPr>
           <a:xfrm>
-            <a:off x="1653251" y="5486400"/>
+            <a:off x="1653251" y="4915114"/>
             <a:ext cx="5052349" cy="0"/>
           </a:xfrm>
           <a:prstGeom prst="straightConnector1">
@@ -4640,7 +4637,7 @@
         </p:nvSpPr>
         <p:spPr>
           <a:xfrm>
-            <a:off x="6984957" y="4267200"/>
+            <a:off x="6984957" y="3695914"/>
             <a:ext cx="1424846" cy="215444"/>
           </a:xfrm>
           <a:prstGeom prst="rect">
@@ -4692,7 +4689,7 @@
         </p:nvSpPr>
         <p:spPr>
           <a:xfrm>
-            <a:off x="3847551" y="3657600"/>
+            <a:off x="3847551" y="3086314"/>
             <a:ext cx="767033" cy="184666"/>
           </a:xfrm>
           <a:prstGeom prst="rect">
@@ -4732,7 +4729,7 @@
         </p:nvSpPr>
         <p:spPr>
           <a:xfrm>
-            <a:off x="1742982" y="2850922"/>
+            <a:off x="1742982" y="2279636"/>
             <a:ext cx="1424846" cy="215444"/>
           </a:xfrm>
           <a:prstGeom prst="rect">
@@ -4772,7 +4769,7 @@
         </p:nvSpPr>
         <p:spPr>
           <a:xfrm>
-            <a:off x="4340137" y="5255323"/>
+            <a:off x="4340137" y="4684037"/>
             <a:ext cx="621216" cy="215444"/>
           </a:xfrm>
           <a:prstGeom prst="rect">
@@ -4812,7 +4809,7 @@
         </p:nvSpPr>
         <p:spPr>
           <a:xfrm>
-            <a:off x="599983" y="5538488"/>
+            <a:off x="599983" y="4967202"/>
             <a:ext cx="762000" cy="215444"/>
           </a:xfrm>
           <a:prstGeom prst="rect">
@@ -4852,7 +4849,7 @@
         </p:nvSpPr>
         <p:spPr>
           <a:xfrm>
-            <a:off x="7020246" y="4777286"/>
+            <a:off x="7020246" y="4206000"/>
             <a:ext cx="1590354" cy="461538"/>
           </a:xfrm>
           <a:prstGeom prst="rect">
@@ -4919,7 +4916,7 @@
         </p:nvSpPr>
         <p:spPr>
           <a:xfrm>
-            <a:off x="7777323" y="5238824"/>
+            <a:off x="7777323" y="4667538"/>
             <a:ext cx="152400" cy="171376"/>
           </a:xfrm>
           <a:prstGeom prst="rect">
@@ -4966,7 +4963,7 @@
         </p:nvCxnSpPr>
         <p:spPr>
           <a:xfrm>
-            <a:off x="6858000" y="5410200"/>
+            <a:off x="6858000" y="4838914"/>
             <a:ext cx="966624" cy="0"/>
           </a:xfrm>
           <a:prstGeom prst="straightConnector1">
@@ -5004,7 +5001,7 @@
         </p:nvSpPr>
         <p:spPr>
           <a:xfrm>
-            <a:off x="2673845" y="4027787"/>
+            <a:off x="2673845" y="3456501"/>
             <a:ext cx="220343" cy="215444"/>
           </a:xfrm>
           <a:prstGeom prst="rect">
@@ -5044,7 +5041,7 @@
         </p:nvSpPr>
         <p:spPr>
           <a:xfrm>
-            <a:off x="4231981" y="2929839"/>
+            <a:off x="4231981" y="2358553"/>
             <a:ext cx="1778201" cy="432035"/>
           </a:xfrm>
           <a:prstGeom prst="rect">
@@ -5127,7 +5124,7 @@
         </p:nvCxnSpPr>
         <p:spPr>
           <a:xfrm>
-            <a:off x="3462591" y="3657600"/>
+            <a:off x="3462591" y="3086314"/>
             <a:ext cx="1597356" cy="1"/>
           </a:xfrm>
           <a:prstGeom prst="straightConnector1">
@@ -5161,7 +5158,7 @@
         </p:nvSpPr>
         <p:spPr>
           <a:xfrm>
-            <a:off x="5059947" y="3352800"/>
+            <a:off x="5059947" y="2781514"/>
             <a:ext cx="205843" cy="123165"/>
           </a:xfrm>
           <a:prstGeom prst="rect">
@@ -5210,7 +5207,7 @@
         </p:nvCxnSpPr>
         <p:spPr>
           <a:xfrm>
-            <a:off x="5162869" y="3352800"/>
+            <a:off x="5162869" y="2781514"/>
             <a:ext cx="0" cy="990600"/>
           </a:xfrm>
           <a:prstGeom prst="line">
@@ -5247,7 +5244,7 @@
         </p:nvSpPr>
         <p:spPr>
           <a:xfrm>
-            <a:off x="5059947" y="3657601"/>
+            <a:off x="5059947" y="3086315"/>
             <a:ext cx="205843" cy="533400"/>
           </a:xfrm>
           <a:prstGeom prst="rect">
@@ -5294,7 +5291,7 @@
         </p:nvCxnSpPr>
         <p:spPr>
           <a:xfrm>
-            <a:off x="3499382" y="4185073"/>
+            <a:off x="3499382" y="3613787"/>
             <a:ext cx="1667219" cy="0"/>
           </a:xfrm>
           <a:prstGeom prst="straightConnector1">
@@ -5332,7 +5329,7 @@
         </p:nvCxnSpPr>
         <p:spPr>
           <a:xfrm>
-            <a:off x="6858000" y="5029200"/>
+            <a:off x="6858000" y="4457914"/>
             <a:ext cx="162246" cy="0"/>
           </a:xfrm>
           <a:prstGeom prst="straightConnector1">
@@ -5366,7 +5363,7 @@
         </p:nvCxnSpPr>
         <p:spPr>
           <a:xfrm>
-            <a:off x="3412425" y="3173004"/>
+            <a:off x="3412425" y="2601718"/>
             <a:ext cx="819556" cy="1"/>
           </a:xfrm>
           <a:prstGeom prst="straightConnector1">
@@ -5402,7 +5399,7 @@
         </p:nvCxnSpPr>
         <p:spPr>
           <a:xfrm>
-            <a:off x="3459519" y="3475965"/>
+            <a:off x="3459519" y="2904679"/>
             <a:ext cx="1600428" cy="0"/>
           </a:xfrm>
           <a:prstGeom prst="straightConnector1">
@@ -5440,7 +5437,7 @@
         </p:nvSpPr>
         <p:spPr>
           <a:xfrm>
-            <a:off x="5033665" y="4199590"/>
+            <a:off x="5033665" y="3628304"/>
             <a:ext cx="258404" cy="261610"/>
           </a:xfrm>
           <a:prstGeom prst="rect">

--- a/docs/diagrams/LogicComponentSequenceDiagram.pptx
+++ b/docs/diagrams/LogicComponentSequenceDiagram.pptx
@@ -212,7 +212,7 @@
           <a:p>
             <a:fld id="{F5CC4B3F-88C1-4FFA-B1B6-F41C21DC6924}" type="datetimeFigureOut">
               <a:rPr lang="en-US" smtClean="0"/>
-              <a:t>11/10/2018</a:t>
+              <a:t>7/11/2017</a:t>
             </a:fld>
             <a:endParaRPr lang="en-US"/>
           </a:p>
@@ -658,7 +658,7 @@
           <a:p>
             <a:fld id="{78C97017-6FC3-485B-9764-EAC9E56C1D49}" type="datetimeFigureOut">
               <a:rPr lang="en-US" smtClean="0"/>
-              <a:t>11/10/2018</a:t>
+              <a:t>7/11/2017</a:t>
             </a:fld>
             <a:endParaRPr lang="en-US"/>
           </a:p>
@@ -826,7 +826,7 @@
           <a:p>
             <a:fld id="{78C97017-6FC3-485B-9764-EAC9E56C1D49}" type="datetimeFigureOut">
               <a:rPr lang="en-US" smtClean="0"/>
-              <a:t>11/10/2018</a:t>
+              <a:t>7/11/2017</a:t>
             </a:fld>
             <a:endParaRPr lang="en-US"/>
           </a:p>
@@ -1004,7 +1004,7 @@
           <a:p>
             <a:fld id="{78C97017-6FC3-485B-9764-EAC9E56C1D49}" type="datetimeFigureOut">
               <a:rPr lang="en-US" smtClean="0"/>
-              <a:t>11/10/2018</a:t>
+              <a:t>7/11/2017</a:t>
             </a:fld>
             <a:endParaRPr lang="en-US"/>
           </a:p>
@@ -1172,7 +1172,7 @@
           <a:p>
             <a:fld id="{78C97017-6FC3-485B-9764-EAC9E56C1D49}" type="datetimeFigureOut">
               <a:rPr lang="en-US" smtClean="0"/>
-              <a:t>11/10/2018</a:t>
+              <a:t>7/11/2017</a:t>
             </a:fld>
             <a:endParaRPr lang="en-US"/>
           </a:p>
@@ -1417,7 +1417,7 @@
           <a:p>
             <a:fld id="{78C97017-6FC3-485B-9764-EAC9E56C1D49}" type="datetimeFigureOut">
               <a:rPr lang="en-US" smtClean="0"/>
-              <a:t>11/10/2018</a:t>
+              <a:t>7/11/2017</a:t>
             </a:fld>
             <a:endParaRPr lang="en-US"/>
           </a:p>
@@ -1702,7 +1702,7 @@
           <a:p>
             <a:fld id="{78C97017-6FC3-485B-9764-EAC9E56C1D49}" type="datetimeFigureOut">
               <a:rPr lang="en-US" smtClean="0"/>
-              <a:t>11/10/2018</a:t>
+              <a:t>7/11/2017</a:t>
             </a:fld>
             <a:endParaRPr lang="en-US"/>
           </a:p>
@@ -2121,7 +2121,7 @@
           <a:p>
             <a:fld id="{78C97017-6FC3-485B-9764-EAC9E56C1D49}" type="datetimeFigureOut">
               <a:rPr lang="en-US" smtClean="0"/>
-              <a:t>11/10/2018</a:t>
+              <a:t>7/11/2017</a:t>
             </a:fld>
             <a:endParaRPr lang="en-US"/>
           </a:p>
@@ -2238,7 +2238,7 @@
           <a:p>
             <a:fld id="{78C97017-6FC3-485B-9764-EAC9E56C1D49}" type="datetimeFigureOut">
               <a:rPr lang="en-US" smtClean="0"/>
-              <a:t>11/10/2018</a:t>
+              <a:t>7/11/2017</a:t>
             </a:fld>
             <a:endParaRPr lang="en-US"/>
           </a:p>
@@ -2333,7 +2333,7 @@
           <a:p>
             <a:fld id="{78C97017-6FC3-485B-9764-EAC9E56C1D49}" type="datetimeFigureOut">
               <a:rPr lang="en-US" smtClean="0"/>
-              <a:t>11/10/2018</a:t>
+              <a:t>7/11/2017</a:t>
             </a:fld>
             <a:endParaRPr lang="en-US"/>
           </a:p>
@@ -2608,7 +2608,7 @@
           <a:p>
             <a:fld id="{78C97017-6FC3-485B-9764-EAC9E56C1D49}" type="datetimeFigureOut">
               <a:rPr lang="en-US" smtClean="0"/>
-              <a:t>11/10/2018</a:t>
+              <a:t>7/11/2017</a:t>
             </a:fld>
             <a:endParaRPr lang="en-US"/>
           </a:p>
@@ -2860,7 +2860,7 @@
           <a:p>
             <a:fld id="{78C97017-6FC3-485B-9764-EAC9E56C1D49}" type="datetimeFigureOut">
               <a:rPr lang="en-US" smtClean="0"/>
-              <a:t>11/10/2018</a:t>
+              <a:t>7/11/2017</a:t>
             </a:fld>
             <a:endParaRPr lang="en-US"/>
           </a:p>
@@ -3071,7 +3071,7 @@
           <a:p>
             <a:fld id="{78C97017-6FC3-485B-9764-EAC9E56C1D49}" type="datetimeFigureOut">
               <a:rPr lang="en-US" smtClean="0"/>
-              <a:t>11/10/2018</a:t>
+              <a:t>7/11/2017</a:t>
             </a:fld>
             <a:endParaRPr lang="en-US"/>
           </a:p>
@@ -3454,7 +3454,7 @@
         </p:nvSpPr>
         <p:spPr>
           <a:xfrm>
-            <a:off x="685800" y="1409914"/>
+            <a:off x="685800" y="1981200"/>
             <a:ext cx="7252956" cy="4000286"/>
           </a:xfrm>
           <a:prstGeom prst="roundRect">
@@ -3515,7 +3515,7 @@
         </p:nvSpPr>
         <p:spPr>
           <a:xfrm>
-            <a:off x="845045" y="1725260"/>
+            <a:off x="845045" y="2296546"/>
             <a:ext cx="1455629" cy="346760"/>
           </a:xfrm>
           <a:prstGeom prst="rect">
@@ -3582,7 +3582,7 @@
         </p:nvCxnSpPr>
         <p:spPr>
           <a:xfrm>
-            <a:off x="1572859" y="2088931"/>
+            <a:off x="1572859" y="2660217"/>
             <a:ext cx="0" cy="2597583"/>
           </a:xfrm>
           <a:prstGeom prst="line">
@@ -3619,7 +3619,7 @@
         </p:nvSpPr>
         <p:spPr>
           <a:xfrm>
-            <a:off x="1500851" y="2439625"/>
+            <a:off x="1500851" y="3010911"/>
             <a:ext cx="152400" cy="2780287"/>
           </a:xfrm>
           <a:prstGeom prst="rect">
@@ -3666,7 +3666,7 @@
         </p:nvSpPr>
         <p:spPr>
           <a:xfrm>
-            <a:off x="2743200" y="1608023"/>
+            <a:off x="2743200" y="2179309"/>
             <a:ext cx="1219200" cy="467684"/>
           </a:xfrm>
           <a:prstGeom prst="rect">
@@ -3702,22 +3702,25 @@
           <a:p>
             <a:pPr algn="ctr"/>
             <a:r>
-              <a:rPr lang="en-US" sz="1550" dirty="0" smtClean="0">
+              <a:rPr lang="en-US" sz="1600" dirty="0">
                 <a:solidFill>
                   <a:schemeClr val="bg1"/>
                 </a:solidFill>
               </a:rPr>
-              <a:t>:</a:t>
-            </a:r>
-            <a:r>
-              <a:rPr lang="en-US" sz="1550" dirty="0" err="1" smtClean="0">
+              <a:t>:Address</a:t>
+            </a:r>
+          </a:p>
+          <a:p>
+            <a:pPr algn="ctr"/>
+            <a:r>
+              <a:rPr lang="en-US" sz="1600" dirty="0" err="1">
                 <a:solidFill>
                   <a:schemeClr val="bg1"/>
                 </a:solidFill>
               </a:rPr>
-              <a:t>TutorHelperParser</a:t>
-            </a:r>
-            <a:endParaRPr lang="en-SG" sz="1550" dirty="0">
+              <a:t>BookParser</a:t>
+            </a:r>
+            <a:endParaRPr lang="en-SG" sz="1600" dirty="0">
               <a:solidFill>
                 <a:schemeClr val="bg1"/>
               </a:solidFill>
@@ -3733,7 +3736,7 @@
         </p:nvCxnSpPr>
         <p:spPr>
           <a:xfrm>
-            <a:off x="3356599" y="2092618"/>
+            <a:off x="3356599" y="2663904"/>
             <a:ext cx="0" cy="1695374"/>
           </a:xfrm>
           <a:prstGeom prst="line">
@@ -3770,7 +3773,7 @@
         </p:nvSpPr>
         <p:spPr>
           <a:xfrm>
-            <a:off x="3284590" y="2550810"/>
+            <a:off x="3284590" y="3122096"/>
             <a:ext cx="174929" cy="1129459"/>
           </a:xfrm>
           <a:prstGeom prst="rect">
@@ -3821,7 +3824,7 @@
         </p:nvSpPr>
         <p:spPr>
           <a:xfrm>
-            <a:off x="6221565" y="2741454"/>
+            <a:off x="6221565" y="3312740"/>
             <a:ext cx="1093635" cy="461538"/>
           </a:xfrm>
           <a:prstGeom prst="rect">
@@ -3897,7 +3900,7 @@
         </p:nvCxnSpPr>
         <p:spPr>
           <a:xfrm>
-            <a:off x="6772574" y="3202992"/>
+            <a:off x="6772574" y="3774278"/>
             <a:ext cx="0" cy="1940722"/>
           </a:xfrm>
           <a:prstGeom prst="line">
@@ -3934,7 +3937,7 @@
         </p:nvSpPr>
         <p:spPr>
           <a:xfrm>
-            <a:off x="6696374" y="3202992"/>
+            <a:off x="6696374" y="3774278"/>
             <a:ext cx="152400" cy="276003"/>
           </a:xfrm>
           <a:prstGeom prst="rect">
@@ -3981,7 +3984,7 @@
         </p:nvCxnSpPr>
         <p:spPr>
           <a:xfrm>
-            <a:off x="381000" y="2443313"/>
+            <a:off x="381000" y="3014599"/>
             <a:ext cx="1119851" cy="0"/>
           </a:xfrm>
           <a:prstGeom prst="straightConnector1">
@@ -4017,7 +4020,7 @@
         </p:nvCxnSpPr>
         <p:spPr>
           <a:xfrm flipV="1">
-            <a:off x="1653251" y="2550811"/>
+            <a:off x="1653251" y="3122097"/>
             <a:ext cx="1596514" cy="1"/>
           </a:xfrm>
           <a:prstGeom prst="straightConnector1">
@@ -4053,7 +4056,7 @@
         </p:nvSpPr>
         <p:spPr>
           <a:xfrm>
-            <a:off x="0" y="2171914"/>
+            <a:off x="0" y="2743200"/>
             <a:ext cx="1424846" cy="215444"/>
           </a:xfrm>
           <a:prstGeom prst="rect">
@@ -4087,7 +4090,7 @@
         </p:nvCxnSpPr>
         <p:spPr>
           <a:xfrm flipV="1">
-            <a:off x="5257218" y="3131928"/>
+            <a:off x="5257218" y="3703214"/>
             <a:ext cx="922392" cy="1"/>
           </a:xfrm>
           <a:prstGeom prst="straightConnector1">
@@ -4123,7 +4126,7 @@
         </p:nvSpPr>
         <p:spPr>
           <a:xfrm>
-            <a:off x="4257582" y="3680270"/>
+            <a:off x="4257582" y="4251556"/>
             <a:ext cx="855809" cy="215444"/>
           </a:xfrm>
           <a:prstGeom prst="rect">
@@ -4163,7 +4166,7 @@
         </p:nvCxnSpPr>
         <p:spPr>
           <a:xfrm>
-            <a:off x="5257800" y="3478995"/>
+            <a:off x="5257800" y="4050281"/>
             <a:ext cx="1492974" cy="0"/>
           </a:xfrm>
           <a:prstGeom prst="straightConnector1">
@@ -4201,7 +4204,7 @@
         </p:nvCxnSpPr>
         <p:spPr>
           <a:xfrm flipV="1">
-            <a:off x="1670186" y="3671945"/>
+            <a:off x="1670186" y="4243231"/>
             <a:ext cx="1596514" cy="5378"/>
           </a:xfrm>
           <a:prstGeom prst="straightConnector1">
@@ -4239,7 +4242,7 @@
         </p:nvCxnSpPr>
         <p:spPr>
           <a:xfrm>
-            <a:off x="304800" y="5219914"/>
+            <a:off x="304800" y="5791200"/>
             <a:ext cx="1196051" cy="0"/>
           </a:xfrm>
           <a:prstGeom prst="straightConnector1">
@@ -4277,7 +4280,7 @@
         </p:nvSpPr>
         <p:spPr>
           <a:xfrm>
-            <a:off x="8265896" y="1790914"/>
+            <a:off x="8265896" y="2362200"/>
             <a:ext cx="1030504" cy="346760"/>
           </a:xfrm>
           <a:prstGeom prst="rect">
@@ -4342,7 +4345,7 @@
         </p:nvCxnSpPr>
         <p:spPr>
           <a:xfrm>
-            <a:off x="1653251" y="3924031"/>
+            <a:off x="1653251" y="4495317"/>
             <a:ext cx="5043123" cy="0"/>
           </a:xfrm>
           <a:prstGeom prst="straightConnector1">
@@ -4378,7 +4381,7 @@
         </p:nvSpPr>
         <p:spPr>
           <a:xfrm>
-            <a:off x="6687452" y="3895714"/>
+            <a:off x="6687452" y="4467000"/>
             <a:ext cx="161322" cy="1019400"/>
           </a:xfrm>
           <a:prstGeom prst="rect">
@@ -4425,7 +4428,7 @@
         </p:nvCxnSpPr>
         <p:spPr>
           <a:xfrm>
-            <a:off x="8781148" y="2129572"/>
+            <a:off x="8781148" y="2700858"/>
             <a:ext cx="0" cy="2830598"/>
           </a:xfrm>
           <a:prstGeom prst="line">
@@ -4465,7 +4468,7 @@
         </p:nvSpPr>
         <p:spPr>
           <a:xfrm>
-            <a:off x="8686800" y="3953311"/>
+            <a:off x="8686800" y="4524597"/>
             <a:ext cx="152400" cy="199803"/>
           </a:xfrm>
           <a:prstGeom prst="rect">
@@ -4522,7 +4525,7 @@
         </p:nvCxnSpPr>
         <p:spPr>
           <a:xfrm>
-            <a:off x="6850663" y="3953311"/>
+            <a:off x="6850663" y="4524597"/>
             <a:ext cx="1836137" cy="0"/>
           </a:xfrm>
           <a:prstGeom prst="straightConnector1">
@@ -4558,7 +4561,7 @@
         </p:nvCxnSpPr>
         <p:spPr>
           <a:xfrm flipV="1">
-            <a:off x="6848774" y="4143364"/>
+            <a:off x="6848774" y="4714650"/>
             <a:ext cx="1838026" cy="9750"/>
           </a:xfrm>
           <a:prstGeom prst="straightConnector1">
@@ -4599,7 +4602,7 @@
         </p:nvCxnSpPr>
         <p:spPr>
           <a:xfrm>
-            <a:off x="1653251" y="4915114"/>
+            <a:off x="1653251" y="5486400"/>
             <a:ext cx="5052349" cy="0"/>
           </a:xfrm>
           <a:prstGeom prst="straightConnector1">
@@ -4637,7 +4640,7 @@
         </p:nvSpPr>
         <p:spPr>
           <a:xfrm>
-            <a:off x="6984957" y="3695914"/>
+            <a:off x="6984957" y="4267200"/>
             <a:ext cx="1424846" cy="215444"/>
           </a:xfrm>
           <a:prstGeom prst="rect">
@@ -4689,7 +4692,7 @@
         </p:nvSpPr>
         <p:spPr>
           <a:xfrm>
-            <a:off x="3847551" y="3086314"/>
+            <a:off x="3847551" y="3657600"/>
             <a:ext cx="767033" cy="184666"/>
           </a:xfrm>
           <a:prstGeom prst="rect">
@@ -4729,7 +4732,7 @@
         </p:nvSpPr>
         <p:spPr>
           <a:xfrm>
-            <a:off x="1742982" y="2279636"/>
+            <a:off x="1742982" y="2850922"/>
             <a:ext cx="1424846" cy="215444"/>
           </a:xfrm>
           <a:prstGeom prst="rect">
@@ -4769,7 +4772,7 @@
         </p:nvSpPr>
         <p:spPr>
           <a:xfrm>
-            <a:off x="4340137" y="4684037"/>
+            <a:off x="4340137" y="5255323"/>
             <a:ext cx="621216" cy="215444"/>
           </a:xfrm>
           <a:prstGeom prst="rect">
@@ -4809,7 +4812,7 @@
         </p:nvSpPr>
         <p:spPr>
           <a:xfrm>
-            <a:off x="599983" y="4967202"/>
+            <a:off x="599983" y="5538488"/>
             <a:ext cx="762000" cy="215444"/>
           </a:xfrm>
           <a:prstGeom prst="rect">
@@ -4849,7 +4852,7 @@
         </p:nvSpPr>
         <p:spPr>
           <a:xfrm>
-            <a:off x="7020246" y="4206000"/>
+            <a:off x="7020246" y="4777286"/>
             <a:ext cx="1590354" cy="461538"/>
           </a:xfrm>
           <a:prstGeom prst="rect">
@@ -4916,7 +4919,7 @@
         </p:nvSpPr>
         <p:spPr>
           <a:xfrm>
-            <a:off x="7777323" y="4667538"/>
+            <a:off x="7777323" y="5238824"/>
             <a:ext cx="152400" cy="171376"/>
           </a:xfrm>
           <a:prstGeom prst="rect">
@@ -4963,7 +4966,7 @@
         </p:nvCxnSpPr>
         <p:spPr>
           <a:xfrm>
-            <a:off x="6858000" y="4838914"/>
+            <a:off x="6858000" y="5410200"/>
             <a:ext cx="966624" cy="0"/>
           </a:xfrm>
           <a:prstGeom prst="straightConnector1">
@@ -5001,7 +5004,7 @@
         </p:nvSpPr>
         <p:spPr>
           <a:xfrm>
-            <a:off x="2673845" y="3456501"/>
+            <a:off x="2673845" y="4027787"/>
             <a:ext cx="220343" cy="215444"/>
           </a:xfrm>
           <a:prstGeom prst="rect">
@@ -5041,7 +5044,7 @@
         </p:nvSpPr>
         <p:spPr>
           <a:xfrm>
-            <a:off x="4231981" y="2358553"/>
+            <a:off x="4231981" y="2929839"/>
             <a:ext cx="1778201" cy="432035"/>
           </a:xfrm>
           <a:prstGeom prst="rect">
@@ -5124,7 +5127,7 @@
         </p:nvCxnSpPr>
         <p:spPr>
           <a:xfrm>
-            <a:off x="3462591" y="3086314"/>
+            <a:off x="3462591" y="3657600"/>
             <a:ext cx="1597356" cy="1"/>
           </a:xfrm>
           <a:prstGeom prst="straightConnector1">
@@ -5158,7 +5161,7 @@
         </p:nvSpPr>
         <p:spPr>
           <a:xfrm>
-            <a:off x="5059947" y="2781514"/>
+            <a:off x="5059947" y="3352800"/>
             <a:ext cx="205843" cy="123165"/>
           </a:xfrm>
           <a:prstGeom prst="rect">
@@ -5207,7 +5210,7 @@
         </p:nvCxnSpPr>
         <p:spPr>
           <a:xfrm>
-            <a:off x="5162869" y="2781514"/>
+            <a:off x="5162869" y="3352800"/>
             <a:ext cx="0" cy="990600"/>
           </a:xfrm>
           <a:prstGeom prst="line">
@@ -5244,7 +5247,7 @@
         </p:nvSpPr>
         <p:spPr>
           <a:xfrm>
-            <a:off x="5059947" y="3086315"/>
+            <a:off x="5059947" y="3657601"/>
             <a:ext cx="205843" cy="533400"/>
           </a:xfrm>
           <a:prstGeom prst="rect">
@@ -5291,7 +5294,7 @@
         </p:nvCxnSpPr>
         <p:spPr>
           <a:xfrm>
-            <a:off x="3499382" y="3613787"/>
+            <a:off x="3499382" y="4185073"/>
             <a:ext cx="1667219" cy="0"/>
           </a:xfrm>
           <a:prstGeom prst="straightConnector1">
@@ -5329,7 +5332,7 @@
         </p:nvCxnSpPr>
         <p:spPr>
           <a:xfrm>
-            <a:off x="6858000" y="4457914"/>
+            <a:off x="6858000" y="5029200"/>
             <a:ext cx="162246" cy="0"/>
           </a:xfrm>
           <a:prstGeom prst="straightConnector1">
@@ -5363,7 +5366,7 @@
         </p:nvCxnSpPr>
         <p:spPr>
           <a:xfrm>
-            <a:off x="3412425" y="2601718"/>
+            <a:off x="3412425" y="3173004"/>
             <a:ext cx="819556" cy="1"/>
           </a:xfrm>
           <a:prstGeom prst="straightConnector1">
@@ -5399,7 +5402,7 @@
         </p:nvCxnSpPr>
         <p:spPr>
           <a:xfrm>
-            <a:off x="3459519" y="2904679"/>
+            <a:off x="3459519" y="3475965"/>
             <a:ext cx="1600428" cy="0"/>
           </a:xfrm>
           <a:prstGeom prst="straightConnector1">
@@ -5437,7 +5440,7 @@
         </p:nvSpPr>
         <p:spPr>
           <a:xfrm>
-            <a:off x="5033665" y="3628304"/>
+            <a:off x="5033665" y="4199590"/>
             <a:ext cx="258404" cy="261610"/>
           </a:xfrm>
           <a:prstGeom prst="rect">

--- a/docs/diagrams/LogicComponentSequenceDiagram.pptx
+++ b/docs/diagrams/LogicComponentSequenceDiagram.pptx
@@ -124,10 +124,6 @@
     </p:ext>
   </p:extLst>
 </p:presentation>
-</file>
-
-<file path=ppt/revisionInfo.xml><?xml version="1.0" encoding="utf-8"?>
-<p1510:revInfo xmlns:a="http://schemas.openxmlformats.org/drawingml/2006/main" xmlns:r="http://schemas.openxmlformats.org/officeDocument/2006/relationships" xmlns:p1510="http://schemas.microsoft.com/office/powerpoint/2015/10/main"/>
 </file>
 
 <file path=ppt/notesMasters/notesMaster1.xml><?xml version="1.0" encoding="utf-8"?>
@@ -3702,7 +3698,7 @@
           <a:p>
             <a:pPr algn="ctr"/>
             <a:r>
-              <a:rPr lang="en-US" sz="1550" dirty="0" smtClean="0">
+              <a:rPr lang="en-US" sz="1550" dirty="0">
                 <a:solidFill>
                   <a:schemeClr val="bg1"/>
                 </a:solidFill>
@@ -3710,7 +3706,7 @@
               <a:t>:</a:t>
             </a:r>
             <a:r>
-              <a:rPr lang="en-US" sz="1550" dirty="0" err="1" smtClean="0">
+              <a:rPr lang="en-US" sz="1550" dirty="0" err="1">
                 <a:solidFill>
                   <a:schemeClr val="bg1"/>
                 </a:solidFill>
@@ -4668,7 +4664,7 @@
                   <a:srgbClr val="7030A0"/>
                 </a:solidFill>
               </a:rPr>
-              <a:t>deletePerson</a:t>
+              <a:t>deleteStudent</a:t>
             </a:r>
             <a:r>
               <a:rPr lang="en-US" dirty="0">

--- a/docs/diagrams/LogicComponentSequenceDiagram.pptx
+++ b/docs/diagrams/LogicComponentSequenceDiagram.pptx
@@ -126,10 +126,6 @@
 </p:presentation>
 </file>
 
-<file path=ppt/revisionInfo.xml><?xml version="1.0" encoding="utf-8"?>
-<p1510:revInfo xmlns:a="http://schemas.openxmlformats.org/drawingml/2006/main" xmlns:r="http://schemas.openxmlformats.org/officeDocument/2006/relationships" xmlns:p1510="http://schemas.microsoft.com/office/powerpoint/2015/10/main"/>
-</file>
-
 <file path=ppt/notesMasters/notesMaster1.xml><?xml version="1.0" encoding="utf-8"?>
 <p:notesMaster xmlns:a="http://schemas.openxmlformats.org/drawingml/2006/main" xmlns:r="http://schemas.openxmlformats.org/officeDocument/2006/relationships" xmlns:p="http://schemas.openxmlformats.org/presentationml/2006/main">
   <p:cSld>
@@ -212,7 +208,7 @@
           <a:p>
             <a:fld id="{F5CC4B3F-88C1-4FFA-B1B6-F41C21DC6924}" type="datetimeFigureOut">
               <a:rPr lang="en-US" smtClean="0"/>
-              <a:t>7/11/2017</a:t>
+              <a:t>11/10/2018</a:t>
             </a:fld>
             <a:endParaRPr lang="en-US"/>
           </a:p>
@@ -658,7 +654,7 @@
           <a:p>
             <a:fld id="{78C97017-6FC3-485B-9764-EAC9E56C1D49}" type="datetimeFigureOut">
               <a:rPr lang="en-US" smtClean="0"/>
-              <a:t>7/11/2017</a:t>
+              <a:t>11/10/2018</a:t>
             </a:fld>
             <a:endParaRPr lang="en-US"/>
           </a:p>
@@ -826,7 +822,7 @@
           <a:p>
             <a:fld id="{78C97017-6FC3-485B-9764-EAC9E56C1D49}" type="datetimeFigureOut">
               <a:rPr lang="en-US" smtClean="0"/>
-              <a:t>7/11/2017</a:t>
+              <a:t>11/10/2018</a:t>
             </a:fld>
             <a:endParaRPr lang="en-US"/>
           </a:p>
@@ -1004,7 +1000,7 @@
           <a:p>
             <a:fld id="{78C97017-6FC3-485B-9764-EAC9E56C1D49}" type="datetimeFigureOut">
               <a:rPr lang="en-US" smtClean="0"/>
-              <a:t>7/11/2017</a:t>
+              <a:t>11/10/2018</a:t>
             </a:fld>
             <a:endParaRPr lang="en-US"/>
           </a:p>
@@ -1172,7 +1168,7 @@
           <a:p>
             <a:fld id="{78C97017-6FC3-485B-9764-EAC9E56C1D49}" type="datetimeFigureOut">
               <a:rPr lang="en-US" smtClean="0"/>
-              <a:t>7/11/2017</a:t>
+              <a:t>11/10/2018</a:t>
             </a:fld>
             <a:endParaRPr lang="en-US"/>
           </a:p>
@@ -1417,7 +1413,7 @@
           <a:p>
             <a:fld id="{78C97017-6FC3-485B-9764-EAC9E56C1D49}" type="datetimeFigureOut">
               <a:rPr lang="en-US" smtClean="0"/>
-              <a:t>7/11/2017</a:t>
+              <a:t>11/10/2018</a:t>
             </a:fld>
             <a:endParaRPr lang="en-US"/>
           </a:p>
@@ -1702,7 +1698,7 @@
           <a:p>
             <a:fld id="{78C97017-6FC3-485B-9764-EAC9E56C1D49}" type="datetimeFigureOut">
               <a:rPr lang="en-US" smtClean="0"/>
-              <a:t>7/11/2017</a:t>
+              <a:t>11/10/2018</a:t>
             </a:fld>
             <a:endParaRPr lang="en-US"/>
           </a:p>
@@ -2121,7 +2117,7 @@
           <a:p>
             <a:fld id="{78C97017-6FC3-485B-9764-EAC9E56C1D49}" type="datetimeFigureOut">
               <a:rPr lang="en-US" smtClean="0"/>
-              <a:t>7/11/2017</a:t>
+              <a:t>11/10/2018</a:t>
             </a:fld>
             <a:endParaRPr lang="en-US"/>
           </a:p>
@@ -2238,7 +2234,7 @@
           <a:p>
             <a:fld id="{78C97017-6FC3-485B-9764-EAC9E56C1D49}" type="datetimeFigureOut">
               <a:rPr lang="en-US" smtClean="0"/>
-              <a:t>7/11/2017</a:t>
+              <a:t>11/10/2018</a:t>
             </a:fld>
             <a:endParaRPr lang="en-US"/>
           </a:p>
@@ -2333,7 +2329,7 @@
           <a:p>
             <a:fld id="{78C97017-6FC3-485B-9764-EAC9E56C1D49}" type="datetimeFigureOut">
               <a:rPr lang="en-US" smtClean="0"/>
-              <a:t>7/11/2017</a:t>
+              <a:t>11/10/2018</a:t>
             </a:fld>
             <a:endParaRPr lang="en-US"/>
           </a:p>
@@ -2608,7 +2604,7 @@
           <a:p>
             <a:fld id="{78C97017-6FC3-485B-9764-EAC9E56C1D49}" type="datetimeFigureOut">
               <a:rPr lang="en-US" smtClean="0"/>
-              <a:t>7/11/2017</a:t>
+              <a:t>11/10/2018</a:t>
             </a:fld>
             <a:endParaRPr lang="en-US"/>
           </a:p>
@@ -2860,7 +2856,7 @@
           <a:p>
             <a:fld id="{78C97017-6FC3-485B-9764-EAC9E56C1D49}" type="datetimeFigureOut">
               <a:rPr lang="en-US" smtClean="0"/>
-              <a:t>7/11/2017</a:t>
+              <a:t>11/10/2018</a:t>
             </a:fld>
             <a:endParaRPr lang="en-US"/>
           </a:p>
@@ -3071,7 +3067,7 @@
           <a:p>
             <a:fld id="{78C97017-6FC3-485B-9764-EAC9E56C1D49}" type="datetimeFigureOut">
               <a:rPr lang="en-US" smtClean="0"/>
-              <a:t>7/11/2017</a:t>
+              <a:t>11/10/2018</a:t>
             </a:fld>
             <a:endParaRPr lang="en-US"/>
           </a:p>
@@ -3454,7 +3450,7 @@
         </p:nvSpPr>
         <p:spPr>
           <a:xfrm>
-            <a:off x="685800" y="1981200"/>
+            <a:off x="685800" y="1409914"/>
             <a:ext cx="7252956" cy="4000286"/>
           </a:xfrm>
           <a:prstGeom prst="roundRect">
@@ -3515,7 +3511,7 @@
         </p:nvSpPr>
         <p:spPr>
           <a:xfrm>
-            <a:off x="845045" y="2296546"/>
+            <a:off x="845045" y="1725260"/>
             <a:ext cx="1455629" cy="346760"/>
           </a:xfrm>
           <a:prstGeom prst="rect">
@@ -3582,7 +3578,7 @@
         </p:nvCxnSpPr>
         <p:spPr>
           <a:xfrm>
-            <a:off x="1572859" y="2660217"/>
+            <a:off x="1572859" y="2088931"/>
             <a:ext cx="0" cy="2597583"/>
           </a:xfrm>
           <a:prstGeom prst="line">
@@ -3619,7 +3615,7 @@
         </p:nvSpPr>
         <p:spPr>
           <a:xfrm>
-            <a:off x="1500851" y="3010911"/>
+            <a:off x="1500851" y="2439625"/>
             <a:ext cx="152400" cy="2780287"/>
           </a:xfrm>
           <a:prstGeom prst="rect">
@@ -3666,7 +3662,7 @@
         </p:nvSpPr>
         <p:spPr>
           <a:xfrm>
-            <a:off x="2743200" y="2179309"/>
+            <a:off x="2743200" y="1608023"/>
             <a:ext cx="1219200" cy="467684"/>
           </a:xfrm>
           <a:prstGeom prst="rect">
@@ -3702,25 +3698,22 @@
           <a:p>
             <a:pPr algn="ctr"/>
             <a:r>
-              <a:rPr lang="en-US" sz="1600" dirty="0">
+              <a:rPr lang="en-US" sz="1550" dirty="0">
                 <a:solidFill>
                   <a:schemeClr val="bg1"/>
                 </a:solidFill>
               </a:rPr>
-              <a:t>:Address</a:t>
-            </a:r>
-          </a:p>
-          <a:p>
-            <a:pPr algn="ctr"/>
-            <a:r>
-              <a:rPr lang="en-US" sz="1600" dirty="0" err="1">
+              <a:t>:</a:t>
+            </a:r>
+            <a:r>
+              <a:rPr lang="en-US" sz="1550" dirty="0" err="1">
                 <a:solidFill>
                   <a:schemeClr val="bg1"/>
                 </a:solidFill>
               </a:rPr>
-              <a:t>BookParser</a:t>
-            </a:r>
-            <a:endParaRPr lang="en-SG" sz="1600" dirty="0">
+              <a:t>TutorHelperParser</a:t>
+            </a:r>
+            <a:endParaRPr lang="en-SG" sz="1550" dirty="0">
               <a:solidFill>
                 <a:schemeClr val="bg1"/>
               </a:solidFill>
@@ -3736,7 +3729,7 @@
         </p:nvCxnSpPr>
         <p:spPr>
           <a:xfrm>
-            <a:off x="3356599" y="2663904"/>
+            <a:off x="3356599" y="2092618"/>
             <a:ext cx="0" cy="1695374"/>
           </a:xfrm>
           <a:prstGeom prst="line">
@@ -3773,7 +3766,7 @@
         </p:nvSpPr>
         <p:spPr>
           <a:xfrm>
-            <a:off x="3284590" y="3122096"/>
+            <a:off x="3284590" y="2550810"/>
             <a:ext cx="174929" cy="1129459"/>
           </a:xfrm>
           <a:prstGeom prst="rect">
@@ -3824,7 +3817,7 @@
         </p:nvSpPr>
         <p:spPr>
           <a:xfrm>
-            <a:off x="6221565" y="3312740"/>
+            <a:off x="6221565" y="2741454"/>
             <a:ext cx="1093635" cy="461538"/>
           </a:xfrm>
           <a:prstGeom prst="rect">
@@ -3900,7 +3893,7 @@
         </p:nvCxnSpPr>
         <p:spPr>
           <a:xfrm>
-            <a:off x="6772574" y="3774278"/>
+            <a:off x="6772574" y="3202992"/>
             <a:ext cx="0" cy="1940722"/>
           </a:xfrm>
           <a:prstGeom prst="line">
@@ -3937,7 +3930,7 @@
         </p:nvSpPr>
         <p:spPr>
           <a:xfrm>
-            <a:off x="6696374" y="3774278"/>
+            <a:off x="6696374" y="3202992"/>
             <a:ext cx="152400" cy="276003"/>
           </a:xfrm>
           <a:prstGeom prst="rect">
@@ -3984,7 +3977,7 @@
         </p:nvCxnSpPr>
         <p:spPr>
           <a:xfrm>
-            <a:off x="381000" y="3014599"/>
+            <a:off x="381000" y="2443313"/>
             <a:ext cx="1119851" cy="0"/>
           </a:xfrm>
           <a:prstGeom prst="straightConnector1">
@@ -4020,7 +4013,7 @@
         </p:nvCxnSpPr>
         <p:spPr>
           <a:xfrm flipV="1">
-            <a:off x="1653251" y="3122097"/>
+            <a:off x="1653251" y="2550811"/>
             <a:ext cx="1596514" cy="1"/>
           </a:xfrm>
           <a:prstGeom prst="straightConnector1">
@@ -4056,7 +4049,7 @@
         </p:nvSpPr>
         <p:spPr>
           <a:xfrm>
-            <a:off x="0" y="2743200"/>
+            <a:off x="0" y="2171914"/>
             <a:ext cx="1424846" cy="215444"/>
           </a:xfrm>
           <a:prstGeom prst="rect">
@@ -4090,7 +4083,7 @@
         </p:nvCxnSpPr>
         <p:spPr>
           <a:xfrm flipV="1">
-            <a:off x="5257218" y="3703214"/>
+            <a:off x="5257218" y="3131928"/>
             <a:ext cx="922392" cy="1"/>
           </a:xfrm>
           <a:prstGeom prst="straightConnector1">
@@ -4126,7 +4119,7 @@
         </p:nvSpPr>
         <p:spPr>
           <a:xfrm>
-            <a:off x="4257582" y="4251556"/>
+            <a:off x="4257582" y="3680270"/>
             <a:ext cx="855809" cy="215444"/>
           </a:xfrm>
           <a:prstGeom prst="rect">
@@ -4166,7 +4159,7 @@
         </p:nvCxnSpPr>
         <p:spPr>
           <a:xfrm>
-            <a:off x="5257800" y="4050281"/>
+            <a:off x="5257800" y="3478995"/>
             <a:ext cx="1492974" cy="0"/>
           </a:xfrm>
           <a:prstGeom prst="straightConnector1">
@@ -4204,7 +4197,7 @@
         </p:nvCxnSpPr>
         <p:spPr>
           <a:xfrm flipV="1">
-            <a:off x="1670186" y="4243231"/>
+            <a:off x="1670186" y="3671945"/>
             <a:ext cx="1596514" cy="5378"/>
           </a:xfrm>
           <a:prstGeom prst="straightConnector1">
@@ -4242,7 +4235,7 @@
         </p:nvCxnSpPr>
         <p:spPr>
           <a:xfrm>
-            <a:off x="304800" y="5791200"/>
+            <a:off x="304800" y="5219914"/>
             <a:ext cx="1196051" cy="0"/>
           </a:xfrm>
           <a:prstGeom prst="straightConnector1">
@@ -4280,7 +4273,7 @@
         </p:nvSpPr>
         <p:spPr>
           <a:xfrm>
-            <a:off x="8265896" y="2362200"/>
+            <a:off x="8265896" y="1790914"/>
             <a:ext cx="1030504" cy="346760"/>
           </a:xfrm>
           <a:prstGeom prst="rect">
@@ -4345,7 +4338,7 @@
         </p:nvCxnSpPr>
         <p:spPr>
           <a:xfrm>
-            <a:off x="1653251" y="4495317"/>
+            <a:off x="1653251" y="3924031"/>
             <a:ext cx="5043123" cy="0"/>
           </a:xfrm>
           <a:prstGeom prst="straightConnector1">
@@ -4381,7 +4374,7 @@
         </p:nvSpPr>
         <p:spPr>
           <a:xfrm>
-            <a:off x="6687452" y="4467000"/>
+            <a:off x="6687452" y="3895714"/>
             <a:ext cx="161322" cy="1019400"/>
           </a:xfrm>
           <a:prstGeom prst="rect">
@@ -4428,7 +4421,7 @@
         </p:nvCxnSpPr>
         <p:spPr>
           <a:xfrm>
-            <a:off x="8781148" y="2700858"/>
+            <a:off x="8781148" y="2129572"/>
             <a:ext cx="0" cy="2830598"/>
           </a:xfrm>
           <a:prstGeom prst="line">
@@ -4468,7 +4461,7 @@
         </p:nvSpPr>
         <p:spPr>
           <a:xfrm>
-            <a:off x="8686800" y="4524597"/>
+            <a:off x="8686800" y="3953311"/>
             <a:ext cx="152400" cy="199803"/>
           </a:xfrm>
           <a:prstGeom prst="rect">
@@ -4525,7 +4518,7 @@
         </p:nvCxnSpPr>
         <p:spPr>
           <a:xfrm>
-            <a:off x="6850663" y="4524597"/>
+            <a:off x="6850663" y="3953311"/>
             <a:ext cx="1836137" cy="0"/>
           </a:xfrm>
           <a:prstGeom prst="straightConnector1">
@@ -4561,7 +4554,7 @@
         </p:nvCxnSpPr>
         <p:spPr>
           <a:xfrm flipV="1">
-            <a:off x="6848774" y="4714650"/>
+            <a:off x="6848774" y="4143364"/>
             <a:ext cx="1838026" cy="9750"/>
           </a:xfrm>
           <a:prstGeom prst="straightConnector1">
@@ -4602,7 +4595,7 @@
         </p:nvCxnSpPr>
         <p:spPr>
           <a:xfrm>
-            <a:off x="1653251" y="5486400"/>
+            <a:off x="1653251" y="4915114"/>
             <a:ext cx="5052349" cy="0"/>
           </a:xfrm>
           <a:prstGeom prst="straightConnector1">
@@ -4640,7 +4633,7 @@
         </p:nvSpPr>
         <p:spPr>
           <a:xfrm>
-            <a:off x="6984957" y="4267200"/>
+            <a:off x="6984957" y="3695914"/>
             <a:ext cx="1424846" cy="215444"/>
           </a:xfrm>
           <a:prstGeom prst="rect">
@@ -4671,7 +4664,7 @@
                   <a:srgbClr val="7030A0"/>
                 </a:solidFill>
               </a:rPr>
-              <a:t>deletePerson</a:t>
+              <a:t>deleteStudent</a:t>
             </a:r>
             <a:r>
               <a:rPr lang="en-US" dirty="0">
@@ -4692,7 +4685,7 @@
         </p:nvSpPr>
         <p:spPr>
           <a:xfrm>
-            <a:off x="3847551" y="3657600"/>
+            <a:off x="3847551" y="3086314"/>
             <a:ext cx="767033" cy="184666"/>
           </a:xfrm>
           <a:prstGeom prst="rect">
@@ -4732,7 +4725,7 @@
         </p:nvSpPr>
         <p:spPr>
           <a:xfrm>
-            <a:off x="1742982" y="2850922"/>
+            <a:off x="1742982" y="2279636"/>
             <a:ext cx="1424846" cy="215444"/>
           </a:xfrm>
           <a:prstGeom prst="rect">
@@ -4772,7 +4765,7 @@
         </p:nvSpPr>
         <p:spPr>
           <a:xfrm>
-            <a:off x="4340137" y="5255323"/>
+            <a:off x="4340137" y="4684037"/>
             <a:ext cx="621216" cy="215444"/>
           </a:xfrm>
           <a:prstGeom prst="rect">
@@ -4812,7 +4805,7 @@
         </p:nvSpPr>
         <p:spPr>
           <a:xfrm>
-            <a:off x="599983" y="5538488"/>
+            <a:off x="599983" y="4967202"/>
             <a:ext cx="762000" cy="215444"/>
           </a:xfrm>
           <a:prstGeom prst="rect">
@@ -4852,7 +4845,7 @@
         </p:nvSpPr>
         <p:spPr>
           <a:xfrm>
-            <a:off x="7020246" y="4777286"/>
+            <a:off x="7020246" y="4206000"/>
             <a:ext cx="1590354" cy="461538"/>
           </a:xfrm>
           <a:prstGeom prst="rect">
@@ -4919,7 +4912,7 @@
         </p:nvSpPr>
         <p:spPr>
           <a:xfrm>
-            <a:off x="7777323" y="5238824"/>
+            <a:off x="7777323" y="4667538"/>
             <a:ext cx="152400" cy="171376"/>
           </a:xfrm>
           <a:prstGeom prst="rect">
@@ -4966,7 +4959,7 @@
         </p:nvCxnSpPr>
         <p:spPr>
           <a:xfrm>
-            <a:off x="6858000" y="5410200"/>
+            <a:off x="6858000" y="4838914"/>
             <a:ext cx="966624" cy="0"/>
           </a:xfrm>
           <a:prstGeom prst="straightConnector1">
@@ -5004,7 +4997,7 @@
         </p:nvSpPr>
         <p:spPr>
           <a:xfrm>
-            <a:off x="2673845" y="4027787"/>
+            <a:off x="2673845" y="3456501"/>
             <a:ext cx="220343" cy="215444"/>
           </a:xfrm>
           <a:prstGeom prst="rect">
@@ -5044,7 +5037,7 @@
         </p:nvSpPr>
         <p:spPr>
           <a:xfrm>
-            <a:off x="4231981" y="2929839"/>
+            <a:off x="4231981" y="2358553"/>
             <a:ext cx="1778201" cy="432035"/>
           </a:xfrm>
           <a:prstGeom prst="rect">
@@ -5127,7 +5120,7 @@
         </p:nvCxnSpPr>
         <p:spPr>
           <a:xfrm>
-            <a:off x="3462591" y="3657600"/>
+            <a:off x="3462591" y="3086314"/>
             <a:ext cx="1597356" cy="1"/>
           </a:xfrm>
           <a:prstGeom prst="straightConnector1">
@@ -5161,7 +5154,7 @@
         </p:nvSpPr>
         <p:spPr>
           <a:xfrm>
-            <a:off x="5059947" y="3352800"/>
+            <a:off x="5059947" y="2781514"/>
             <a:ext cx="205843" cy="123165"/>
           </a:xfrm>
           <a:prstGeom prst="rect">
@@ -5210,7 +5203,7 @@
         </p:nvCxnSpPr>
         <p:spPr>
           <a:xfrm>
-            <a:off x="5162869" y="3352800"/>
+            <a:off x="5162869" y="2781514"/>
             <a:ext cx="0" cy="990600"/>
           </a:xfrm>
           <a:prstGeom prst="line">
@@ -5247,7 +5240,7 @@
         </p:nvSpPr>
         <p:spPr>
           <a:xfrm>
-            <a:off x="5059947" y="3657601"/>
+            <a:off x="5059947" y="3086315"/>
             <a:ext cx="205843" cy="533400"/>
           </a:xfrm>
           <a:prstGeom prst="rect">
@@ -5294,7 +5287,7 @@
         </p:nvCxnSpPr>
         <p:spPr>
           <a:xfrm>
-            <a:off x="3499382" y="4185073"/>
+            <a:off x="3499382" y="3613787"/>
             <a:ext cx="1667219" cy="0"/>
           </a:xfrm>
           <a:prstGeom prst="straightConnector1">
@@ -5332,7 +5325,7 @@
         </p:nvCxnSpPr>
         <p:spPr>
           <a:xfrm>
-            <a:off x="6858000" y="5029200"/>
+            <a:off x="6858000" y="4457914"/>
             <a:ext cx="162246" cy="0"/>
           </a:xfrm>
           <a:prstGeom prst="straightConnector1">
@@ -5366,7 +5359,7 @@
         </p:nvCxnSpPr>
         <p:spPr>
           <a:xfrm>
-            <a:off x="3412425" y="3173004"/>
+            <a:off x="3412425" y="2601718"/>
             <a:ext cx="819556" cy="1"/>
           </a:xfrm>
           <a:prstGeom prst="straightConnector1">
@@ -5402,7 +5395,7 @@
         </p:nvCxnSpPr>
         <p:spPr>
           <a:xfrm>
-            <a:off x="3459519" y="3475965"/>
+            <a:off x="3459519" y="2904679"/>
             <a:ext cx="1600428" cy="0"/>
           </a:xfrm>
           <a:prstGeom prst="straightConnector1">
@@ -5440,7 +5433,7 @@
         </p:nvSpPr>
         <p:spPr>
           <a:xfrm>
-            <a:off x="5033665" y="4199590"/>
+            <a:off x="5033665" y="3628304"/>
             <a:ext cx="258404" cy="261610"/>
           </a:xfrm>
           <a:prstGeom prst="rect">
